--- a/junit.pptx
+++ b/junit.pptx
@@ -5,7 +5,7 @@
     <p:sldMasterId id="2147483660" r:id="rId1"/>
   </p:sldMasterIdLst>
   <p:notesMasterIdLst>
-    <p:notesMasterId r:id="rId24"/>
+    <p:notesMasterId r:id="rId25"/>
   </p:notesMasterIdLst>
   <p:sldIdLst>
     <p:sldId id="670" r:id="rId2"/>
@@ -17,19 +17,20 @@
     <p:sldId id="714" r:id="rId8"/>
     <p:sldId id="708" r:id="rId9"/>
     <p:sldId id="709" r:id="rId10"/>
-    <p:sldId id="719" r:id="rId11"/>
-    <p:sldId id="697" r:id="rId12"/>
-    <p:sldId id="700" r:id="rId13"/>
-    <p:sldId id="702" r:id="rId14"/>
-    <p:sldId id="699" r:id="rId15"/>
-    <p:sldId id="712" r:id="rId16"/>
-    <p:sldId id="711" r:id="rId17"/>
-    <p:sldId id="713" r:id="rId18"/>
-    <p:sldId id="717" r:id="rId19"/>
-    <p:sldId id="703" r:id="rId20"/>
-    <p:sldId id="683" r:id="rId21"/>
-    <p:sldId id="715" r:id="rId22"/>
-    <p:sldId id="649" r:id="rId23"/>
+    <p:sldId id="720" r:id="rId11"/>
+    <p:sldId id="719" r:id="rId12"/>
+    <p:sldId id="697" r:id="rId13"/>
+    <p:sldId id="700" r:id="rId14"/>
+    <p:sldId id="702" r:id="rId15"/>
+    <p:sldId id="699" r:id="rId16"/>
+    <p:sldId id="712" r:id="rId17"/>
+    <p:sldId id="711" r:id="rId18"/>
+    <p:sldId id="713" r:id="rId19"/>
+    <p:sldId id="717" r:id="rId20"/>
+    <p:sldId id="703" r:id="rId21"/>
+    <p:sldId id="683" r:id="rId22"/>
+    <p:sldId id="715" r:id="rId23"/>
+    <p:sldId id="649" r:id="rId24"/>
   </p:sldIdLst>
   <p:sldSz cx="9906000" cy="6858000" type="A4"/>
   <p:notesSz cx="6858000" cy="9144000"/>
@@ -2893,7 +2894,7 @@
           <p:cNvPr id="2" name="Title 1">
             <a:extLst>
               <a:ext uri="{FF2B5EF4-FFF2-40B4-BE49-F238E27FC236}">
-                <a16:creationId xmlns:a16="http://schemas.microsoft.com/office/drawing/2014/main" id="{22E13234-0AA0-44CF-AE80-0A132A9348D1}"/>
+                <a16:creationId xmlns:a16="http://schemas.microsoft.com/office/drawing/2014/main" id="{824DDD54-44B2-4A89-B6BE-41CA656AD9EC}"/>
               </a:ext>
             </a:extLst>
           </p:cNvPr>
@@ -2914,7 +2915,7 @@
               <a:t>Test </a:t>
             </a:r>
             <a:r>
-              <a:rPr lang="en-US" dirty="0" err="1"/>
+              <a:rPr lang="en-US"/>
               <a:t>LifeCycle</a:t>
             </a:r>
             <a:endParaRPr lang="en-US" dirty="0"/>
@@ -2926,7 +2927,7 @@
           <p:cNvPr id="3" name="Content Placeholder 2">
             <a:extLst>
               <a:ext uri="{FF2B5EF4-FFF2-40B4-BE49-F238E27FC236}">
-                <a16:creationId xmlns:a16="http://schemas.microsoft.com/office/drawing/2014/main" id="{CFA1B991-B1CE-4C6D-9D7D-3B2CDEDEF3B9}"/>
+                <a16:creationId xmlns:a16="http://schemas.microsoft.com/office/drawing/2014/main" id="{B72D8874-3D23-4705-88F8-C00388AAD528}"/>
               </a:ext>
             </a:extLst>
           </p:cNvPr>
@@ -2937,7 +2938,12 @@
             <p:ph idx="1"/>
           </p:nvPr>
         </p:nvSpPr>
-        <p:spPr/>
+        <p:spPr>
+          <a:xfrm>
+            <a:off x="324091" y="1323001"/>
+            <a:ext cx="9259747" cy="886799"/>
+          </a:xfrm>
+        </p:spPr>
         <p:txBody>
           <a:bodyPr/>
           <a:lstStyle/>
@@ -3060,6 +3066,637 @@
             </a:r>
             <a:endParaRPr lang="en-US" dirty="0"/>
           </a:p>
+          <a:p>
+            <a:pPr marL="0" indent="0">
+              <a:buNone/>
+            </a:pPr>
+            <a:endParaRPr lang="en-US" dirty="0"/>
+          </a:p>
+        </p:txBody>
+      </p:sp>
+      <p:sp>
+        <p:nvSpPr>
+          <p:cNvPr id="4" name="Rectangle 3">
+            <a:extLst>
+              <a:ext uri="{FF2B5EF4-FFF2-40B4-BE49-F238E27FC236}">
+                <a16:creationId xmlns:a16="http://schemas.microsoft.com/office/drawing/2014/main" id="{3B72AD63-BD47-4EB8-BF12-F8972D3B82F6}"/>
+              </a:ext>
+            </a:extLst>
+          </p:cNvPr>
+          <p:cNvSpPr/>
+          <p:nvPr/>
+        </p:nvSpPr>
+        <p:spPr>
+          <a:xfrm>
+            <a:off x="3474038" y="2209800"/>
+            <a:ext cx="2119724" cy="609600"/>
+          </a:xfrm>
+          <a:prstGeom prst="rect">
+            <a:avLst/>
+          </a:prstGeom>
+          <a:solidFill>
+            <a:srgbClr val="99FFCC"/>
+          </a:solidFill>
+        </p:spPr>
+        <p:style>
+          <a:lnRef idx="2">
+            <a:schemeClr val="accent1">
+              <a:shade val="50000"/>
+            </a:schemeClr>
+          </a:lnRef>
+          <a:fillRef idx="1">
+            <a:schemeClr val="accent1"/>
+          </a:fillRef>
+          <a:effectRef idx="0">
+            <a:schemeClr val="accent1"/>
+          </a:effectRef>
+          <a:fontRef idx="minor">
+            <a:schemeClr val="lt1"/>
+          </a:fontRef>
+        </p:style>
+        <p:txBody>
+          <a:bodyPr rtlCol="0" anchor="ctr"/>
+          <a:lstStyle/>
+          <a:p>
+            <a:pPr algn="ctr"/>
+            <a:r>
+              <a:rPr lang="en-US" dirty="0">
+                <a:solidFill>
+                  <a:schemeClr val="tx1"/>
+                </a:solidFill>
+                <a:latin typeface="Body Level 1"/>
+              </a:rPr>
+              <a:t>@</a:t>
+            </a:r>
+            <a:r>
+              <a:rPr lang="en-US" dirty="0" err="1">
+                <a:solidFill>
+                  <a:schemeClr val="tx1"/>
+                </a:solidFill>
+                <a:latin typeface="Body Level 1"/>
+              </a:rPr>
+              <a:t>BeforeAll</a:t>
+            </a:r>
+            <a:endParaRPr lang="en-US" dirty="0">
+              <a:solidFill>
+                <a:schemeClr val="tx1"/>
+              </a:solidFill>
+              <a:latin typeface="Body Level 1"/>
+            </a:endParaRPr>
+          </a:p>
+        </p:txBody>
+      </p:sp>
+      <p:sp>
+        <p:nvSpPr>
+          <p:cNvPr id="5" name="Rectangle 4">
+            <a:extLst>
+              <a:ext uri="{FF2B5EF4-FFF2-40B4-BE49-F238E27FC236}">
+                <a16:creationId xmlns:a16="http://schemas.microsoft.com/office/drawing/2014/main" id="{3C5583A1-1D14-4A07-B8D3-5DC6B1D5EEFF}"/>
+              </a:ext>
+            </a:extLst>
+          </p:cNvPr>
+          <p:cNvSpPr/>
+          <p:nvPr/>
+        </p:nvSpPr>
+        <p:spPr>
+          <a:xfrm>
+            <a:off x="3474038" y="3276600"/>
+            <a:ext cx="2119724" cy="609600"/>
+          </a:xfrm>
+          <a:prstGeom prst="rect">
+            <a:avLst/>
+          </a:prstGeom>
+          <a:solidFill>
+            <a:srgbClr val="F9FC8E"/>
+          </a:solidFill>
+        </p:spPr>
+        <p:style>
+          <a:lnRef idx="2">
+            <a:schemeClr val="accent1">
+              <a:shade val="50000"/>
+            </a:schemeClr>
+          </a:lnRef>
+          <a:fillRef idx="1">
+            <a:schemeClr val="accent1"/>
+          </a:fillRef>
+          <a:effectRef idx="0">
+            <a:schemeClr val="accent1"/>
+          </a:effectRef>
+          <a:fontRef idx="minor">
+            <a:schemeClr val="lt1"/>
+          </a:fontRef>
+        </p:style>
+        <p:txBody>
+          <a:bodyPr rtlCol="0" anchor="ctr"/>
+          <a:lstStyle/>
+          <a:p>
+            <a:pPr algn="ctr"/>
+            <a:r>
+              <a:rPr lang="en-US" dirty="0">
+                <a:solidFill>
+                  <a:schemeClr val="tx1"/>
+                </a:solidFill>
+                <a:latin typeface="Body Level 1"/>
+              </a:rPr>
+              <a:t>@</a:t>
+            </a:r>
+            <a:r>
+              <a:rPr lang="en-US" dirty="0" err="1">
+                <a:solidFill>
+                  <a:schemeClr val="tx1"/>
+                </a:solidFill>
+                <a:latin typeface="Body Level 1"/>
+              </a:rPr>
+              <a:t>BeforeEach</a:t>
+            </a:r>
+            <a:endParaRPr lang="en-US" dirty="0"/>
+          </a:p>
+        </p:txBody>
+      </p:sp>
+      <p:sp>
+        <p:nvSpPr>
+          <p:cNvPr id="6" name="Rectangle 5">
+            <a:extLst>
+              <a:ext uri="{FF2B5EF4-FFF2-40B4-BE49-F238E27FC236}">
+                <a16:creationId xmlns:a16="http://schemas.microsoft.com/office/drawing/2014/main" id="{F1C01F18-E8F0-41B8-A4ED-519C47A5F46B}"/>
+              </a:ext>
+            </a:extLst>
+          </p:cNvPr>
+          <p:cNvSpPr/>
+          <p:nvPr/>
+        </p:nvSpPr>
+        <p:spPr>
+          <a:xfrm>
+            <a:off x="6705600" y="4009507"/>
+            <a:ext cx="2119724" cy="609600"/>
+          </a:xfrm>
+          <a:prstGeom prst="rect">
+            <a:avLst/>
+          </a:prstGeom>
+          <a:solidFill>
+            <a:srgbClr val="9FD18B"/>
+          </a:solidFill>
+        </p:spPr>
+        <p:style>
+          <a:lnRef idx="2">
+            <a:schemeClr val="accent1">
+              <a:shade val="50000"/>
+            </a:schemeClr>
+          </a:lnRef>
+          <a:fillRef idx="1">
+            <a:schemeClr val="accent1"/>
+          </a:fillRef>
+          <a:effectRef idx="0">
+            <a:schemeClr val="accent1"/>
+          </a:effectRef>
+          <a:fontRef idx="minor">
+            <a:schemeClr val="lt1"/>
+          </a:fontRef>
+        </p:style>
+        <p:txBody>
+          <a:bodyPr rtlCol="0" anchor="ctr"/>
+          <a:lstStyle/>
+          <a:p>
+            <a:pPr algn="ctr"/>
+            <a:r>
+              <a:rPr lang="en-US" dirty="0">
+                <a:solidFill>
+                  <a:schemeClr val="tx1"/>
+                </a:solidFill>
+                <a:latin typeface="Body Level 1"/>
+              </a:rPr>
+              <a:t>@Test</a:t>
+            </a:r>
+            <a:endParaRPr lang="en-US" dirty="0"/>
+          </a:p>
+        </p:txBody>
+      </p:sp>
+      <p:sp>
+        <p:nvSpPr>
+          <p:cNvPr id="7" name="Rectangle 6">
+            <a:extLst>
+              <a:ext uri="{FF2B5EF4-FFF2-40B4-BE49-F238E27FC236}">
+                <a16:creationId xmlns:a16="http://schemas.microsoft.com/office/drawing/2014/main" id="{0C2E481D-BCA4-4C28-A931-9AE312F26D28}"/>
+              </a:ext>
+            </a:extLst>
+          </p:cNvPr>
+          <p:cNvSpPr/>
+          <p:nvPr/>
+        </p:nvSpPr>
+        <p:spPr>
+          <a:xfrm>
+            <a:off x="3474038" y="4876800"/>
+            <a:ext cx="2119724" cy="609600"/>
+          </a:xfrm>
+          <a:prstGeom prst="rect">
+            <a:avLst/>
+          </a:prstGeom>
+          <a:solidFill>
+            <a:schemeClr val="accent1">
+              <a:lumMod val="20000"/>
+              <a:lumOff val="80000"/>
+            </a:schemeClr>
+          </a:solidFill>
+        </p:spPr>
+        <p:style>
+          <a:lnRef idx="2">
+            <a:schemeClr val="accent1">
+              <a:shade val="50000"/>
+            </a:schemeClr>
+          </a:lnRef>
+          <a:fillRef idx="1">
+            <a:schemeClr val="accent1"/>
+          </a:fillRef>
+          <a:effectRef idx="0">
+            <a:schemeClr val="accent1"/>
+          </a:effectRef>
+          <a:fontRef idx="minor">
+            <a:schemeClr val="lt1"/>
+          </a:fontRef>
+        </p:style>
+        <p:txBody>
+          <a:bodyPr rtlCol="0" anchor="ctr"/>
+          <a:lstStyle/>
+          <a:p>
+            <a:pPr algn="ctr"/>
+            <a:r>
+              <a:rPr lang="en-US" dirty="0">
+                <a:solidFill>
+                  <a:schemeClr val="tx1"/>
+                </a:solidFill>
+                <a:latin typeface="Body Level 1"/>
+              </a:rPr>
+              <a:t>@</a:t>
+            </a:r>
+            <a:r>
+              <a:rPr lang="en-US" dirty="0" err="1">
+                <a:solidFill>
+                  <a:schemeClr val="tx1"/>
+                </a:solidFill>
+                <a:latin typeface="Body Level 1"/>
+              </a:rPr>
+              <a:t>AfterEach</a:t>
+            </a:r>
+            <a:endParaRPr lang="en-US" dirty="0">
+              <a:solidFill>
+                <a:schemeClr val="tx1"/>
+              </a:solidFill>
+              <a:latin typeface="Body Level 1"/>
+            </a:endParaRPr>
+          </a:p>
+        </p:txBody>
+      </p:sp>
+      <p:sp>
+        <p:nvSpPr>
+          <p:cNvPr id="8" name="Rectangle 7">
+            <a:extLst>
+              <a:ext uri="{FF2B5EF4-FFF2-40B4-BE49-F238E27FC236}">
+                <a16:creationId xmlns:a16="http://schemas.microsoft.com/office/drawing/2014/main" id="{F2BD458A-6754-4ED5-8D6E-8864832B4D98}"/>
+              </a:ext>
+            </a:extLst>
+          </p:cNvPr>
+          <p:cNvSpPr/>
+          <p:nvPr/>
+        </p:nvSpPr>
+        <p:spPr>
+          <a:xfrm>
+            <a:off x="3474038" y="5943600"/>
+            <a:ext cx="2119724" cy="609600"/>
+          </a:xfrm>
+          <a:prstGeom prst="rect">
+            <a:avLst/>
+          </a:prstGeom>
+          <a:solidFill>
+            <a:schemeClr val="accent5">
+              <a:lumMod val="40000"/>
+              <a:lumOff val="60000"/>
+            </a:schemeClr>
+          </a:solidFill>
+        </p:spPr>
+        <p:style>
+          <a:lnRef idx="2">
+            <a:schemeClr val="accent1">
+              <a:shade val="50000"/>
+            </a:schemeClr>
+          </a:lnRef>
+          <a:fillRef idx="1">
+            <a:schemeClr val="accent1"/>
+          </a:fillRef>
+          <a:effectRef idx="0">
+            <a:schemeClr val="accent1"/>
+          </a:effectRef>
+          <a:fontRef idx="minor">
+            <a:schemeClr val="lt1"/>
+          </a:fontRef>
+        </p:style>
+        <p:txBody>
+          <a:bodyPr rtlCol="0" anchor="ctr"/>
+          <a:lstStyle/>
+          <a:p>
+            <a:pPr algn="ctr"/>
+            <a:r>
+              <a:rPr lang="en-US" dirty="0">
+                <a:solidFill>
+                  <a:schemeClr val="tx1"/>
+                </a:solidFill>
+                <a:latin typeface="Body Level 1"/>
+              </a:rPr>
+              <a:t>@</a:t>
+            </a:r>
+            <a:r>
+              <a:rPr lang="en-US" dirty="0" err="1">
+                <a:solidFill>
+                  <a:schemeClr val="tx1"/>
+                </a:solidFill>
+                <a:latin typeface="Body Level 1"/>
+              </a:rPr>
+              <a:t>AfterAll</a:t>
+            </a:r>
+            <a:endParaRPr lang="en-US" dirty="0"/>
+          </a:p>
+        </p:txBody>
+      </p:sp>
+      <p:sp>
+        <p:nvSpPr>
+          <p:cNvPr id="9" name="Arrow: Down 8">
+            <a:extLst>
+              <a:ext uri="{FF2B5EF4-FFF2-40B4-BE49-F238E27FC236}">
+                <a16:creationId xmlns:a16="http://schemas.microsoft.com/office/drawing/2014/main" id="{E6B048E8-6D81-4A42-ADE2-7DB262D7E7D2}"/>
+              </a:ext>
+            </a:extLst>
+          </p:cNvPr>
+          <p:cNvSpPr/>
+          <p:nvPr/>
+        </p:nvSpPr>
+        <p:spPr>
+          <a:xfrm>
+            <a:off x="4343400" y="2819400"/>
+            <a:ext cx="381000" cy="457200"/>
+          </a:xfrm>
+          <a:prstGeom prst="downArrow">
+            <a:avLst/>
+          </a:prstGeom>
+        </p:spPr>
+        <p:style>
+          <a:lnRef idx="2">
+            <a:schemeClr val="accent1">
+              <a:shade val="50000"/>
+            </a:schemeClr>
+          </a:lnRef>
+          <a:fillRef idx="1">
+            <a:schemeClr val="accent1"/>
+          </a:fillRef>
+          <a:effectRef idx="0">
+            <a:schemeClr val="accent1"/>
+          </a:effectRef>
+          <a:fontRef idx="minor">
+            <a:schemeClr val="lt1"/>
+          </a:fontRef>
+        </p:style>
+        <p:txBody>
+          <a:bodyPr rtlCol="0" anchor="ctr"/>
+          <a:lstStyle/>
+          <a:p>
+            <a:pPr algn="ctr"/>
+            <a:endParaRPr lang="en-US"/>
+          </a:p>
+        </p:txBody>
+      </p:sp>
+      <p:sp>
+        <p:nvSpPr>
+          <p:cNvPr id="10" name="Arrow: Down 9">
+            <a:extLst>
+              <a:ext uri="{FF2B5EF4-FFF2-40B4-BE49-F238E27FC236}">
+                <a16:creationId xmlns:a16="http://schemas.microsoft.com/office/drawing/2014/main" id="{15F677B0-677A-4825-A846-2E23EDBA4B72}"/>
+              </a:ext>
+            </a:extLst>
+          </p:cNvPr>
+          <p:cNvSpPr/>
+          <p:nvPr/>
+        </p:nvSpPr>
+        <p:spPr>
+          <a:xfrm>
+            <a:off x="4343400" y="5486400"/>
+            <a:ext cx="381000" cy="457200"/>
+          </a:xfrm>
+          <a:prstGeom prst="downArrow">
+            <a:avLst/>
+          </a:prstGeom>
+        </p:spPr>
+        <p:style>
+          <a:lnRef idx="2">
+            <a:schemeClr val="accent1">
+              <a:shade val="50000"/>
+            </a:schemeClr>
+          </a:lnRef>
+          <a:fillRef idx="1">
+            <a:schemeClr val="accent1"/>
+          </a:fillRef>
+          <a:effectRef idx="0">
+            <a:schemeClr val="accent1"/>
+          </a:effectRef>
+          <a:fontRef idx="minor">
+            <a:schemeClr val="lt1"/>
+          </a:fontRef>
+        </p:style>
+        <p:txBody>
+          <a:bodyPr rtlCol="0" anchor="ctr"/>
+          <a:lstStyle/>
+          <a:p>
+            <a:pPr algn="ctr"/>
+            <a:endParaRPr lang="en-US"/>
+          </a:p>
+        </p:txBody>
+      </p:sp>
+      <p:cxnSp>
+        <p:nvCxnSpPr>
+          <p:cNvPr id="12" name="Straight Arrow Connector 11">
+            <a:extLst>
+              <a:ext uri="{FF2B5EF4-FFF2-40B4-BE49-F238E27FC236}">
+                <a16:creationId xmlns:a16="http://schemas.microsoft.com/office/drawing/2014/main" id="{86AC0B00-DE13-4D13-A287-E1A5CF911E97}"/>
+              </a:ext>
+            </a:extLst>
+          </p:cNvPr>
+          <p:cNvCxnSpPr>
+            <a:stCxn id="5" idx="3"/>
+            <a:endCxn id="6" idx="0"/>
+          </p:cNvCxnSpPr>
+          <p:nvPr/>
+        </p:nvCxnSpPr>
+        <p:spPr>
+          <a:xfrm>
+            <a:off x="5593762" y="3581400"/>
+            <a:ext cx="2171700" cy="428107"/>
+          </a:xfrm>
+          <a:prstGeom prst="straightConnector1">
+            <a:avLst/>
+          </a:prstGeom>
+          <a:ln w="76200">
+            <a:tailEnd type="triangle"/>
+          </a:ln>
+        </p:spPr>
+        <p:style>
+          <a:lnRef idx="1">
+            <a:schemeClr val="accent1"/>
+          </a:lnRef>
+          <a:fillRef idx="0">
+            <a:schemeClr val="accent1"/>
+          </a:fillRef>
+          <a:effectRef idx="0">
+            <a:schemeClr val="accent1"/>
+          </a:effectRef>
+          <a:fontRef idx="minor">
+            <a:schemeClr val="tx1"/>
+          </a:fontRef>
+        </p:style>
+      </p:cxnSp>
+      <p:cxnSp>
+        <p:nvCxnSpPr>
+          <p:cNvPr id="13" name="Straight Arrow Connector 12">
+            <a:extLst>
+              <a:ext uri="{FF2B5EF4-FFF2-40B4-BE49-F238E27FC236}">
+                <a16:creationId xmlns:a16="http://schemas.microsoft.com/office/drawing/2014/main" id="{B1BC1E03-51C3-4FC5-A6C2-599686798556}"/>
+              </a:ext>
+            </a:extLst>
+          </p:cNvPr>
+          <p:cNvCxnSpPr>
+            <a:cxnSpLocks/>
+            <a:endCxn id="7" idx="3"/>
+          </p:cNvCxnSpPr>
+          <p:nvPr/>
+        </p:nvCxnSpPr>
+        <p:spPr>
+          <a:xfrm flipH="1">
+            <a:off x="5593762" y="4648201"/>
+            <a:ext cx="2026238" cy="533399"/>
+          </a:xfrm>
+          <a:prstGeom prst="straightConnector1">
+            <a:avLst/>
+          </a:prstGeom>
+          <a:ln w="76200">
+            <a:tailEnd type="triangle"/>
+          </a:ln>
+        </p:spPr>
+        <p:style>
+          <a:lnRef idx="1">
+            <a:schemeClr val="accent1"/>
+          </a:lnRef>
+          <a:fillRef idx="0">
+            <a:schemeClr val="accent1"/>
+          </a:fillRef>
+          <a:effectRef idx="0">
+            <a:schemeClr val="accent1"/>
+          </a:effectRef>
+          <a:fontRef idx="minor">
+            <a:schemeClr val="tx1"/>
+          </a:fontRef>
+        </p:style>
+      </p:cxnSp>
+      <p:cxnSp>
+        <p:nvCxnSpPr>
+          <p:cNvPr id="18" name="Straight Arrow Connector 17">
+            <a:extLst>
+              <a:ext uri="{FF2B5EF4-FFF2-40B4-BE49-F238E27FC236}">
+                <a16:creationId xmlns:a16="http://schemas.microsoft.com/office/drawing/2014/main" id="{D67E0F20-65E1-4FE3-80F1-B7544E5DCB15}"/>
+              </a:ext>
+            </a:extLst>
+          </p:cNvPr>
+          <p:cNvCxnSpPr>
+            <a:cxnSpLocks/>
+          </p:cNvCxnSpPr>
+          <p:nvPr/>
+        </p:nvCxnSpPr>
+        <p:spPr>
+          <a:xfrm flipH="1" flipV="1">
+            <a:off x="5028481" y="3934690"/>
+            <a:ext cx="1" cy="942110"/>
+          </a:xfrm>
+          <a:prstGeom prst="straightConnector1">
+            <a:avLst/>
+          </a:prstGeom>
+          <a:ln w="76200">
+            <a:tailEnd type="triangle"/>
+          </a:ln>
+        </p:spPr>
+        <p:style>
+          <a:lnRef idx="1">
+            <a:schemeClr val="accent1"/>
+          </a:lnRef>
+          <a:fillRef idx="0">
+            <a:schemeClr val="accent1"/>
+          </a:fillRef>
+          <a:effectRef idx="0">
+            <a:schemeClr val="accent1"/>
+          </a:effectRef>
+          <a:fontRef idx="minor">
+            <a:schemeClr val="tx1"/>
+          </a:fontRef>
+        </p:style>
+      </p:cxnSp>
+    </p:spTree>
+    <p:extLst>
+      <p:ext uri="{BB962C8B-B14F-4D97-AF65-F5344CB8AC3E}">
+        <p14:creationId xmlns:p14="http://schemas.microsoft.com/office/powerpoint/2010/main" val="3511697994"/>
+      </p:ext>
+    </p:extLst>
+  </p:cSld>
+  <p:clrMapOvr>
+    <a:masterClrMapping/>
+  </p:clrMapOvr>
+</p:sld>
+</file>
+
+<file path=ppt/slides/slide11.xml><?xml version="1.0" encoding="utf-8"?>
+<p:sld xmlns:a="http://schemas.openxmlformats.org/drawingml/2006/main" xmlns:r="http://schemas.openxmlformats.org/officeDocument/2006/relationships" xmlns:p="http://schemas.openxmlformats.org/presentationml/2006/main">
+  <p:cSld>
+    <p:spTree>
+      <p:nvGrpSpPr>
+        <p:cNvPr id="1" name=""/>
+        <p:cNvGrpSpPr/>
+        <p:nvPr/>
+      </p:nvGrpSpPr>
+      <p:grpSpPr>
+        <a:xfrm>
+          <a:off x="0" y="0"/>
+          <a:ext cx="0" cy="0"/>
+          <a:chOff x="0" y="0"/>
+          <a:chExt cx="0" cy="0"/>
+        </a:xfrm>
+      </p:grpSpPr>
+      <p:sp>
+        <p:nvSpPr>
+          <p:cNvPr id="2" name="Title 1">
+            <a:extLst>
+              <a:ext uri="{FF2B5EF4-FFF2-40B4-BE49-F238E27FC236}">
+                <a16:creationId xmlns:a16="http://schemas.microsoft.com/office/drawing/2014/main" id="{22E13234-0AA0-44CF-AE80-0A132A9348D1}"/>
+              </a:ext>
+            </a:extLst>
+          </p:cNvPr>
+          <p:cNvSpPr>
+            <a:spLocks noGrp="1"/>
+          </p:cNvSpPr>
+          <p:nvPr>
+            <p:ph type="title"/>
+          </p:nvPr>
+        </p:nvSpPr>
+        <p:spPr/>
+        <p:txBody>
+          <a:bodyPr/>
+          <a:lstStyle/>
+          <a:p>
+            <a:r>
+              <a:rPr lang="en-US" dirty="0"/>
+              <a:t>Test </a:t>
+            </a:r>
+            <a:r>
+              <a:rPr lang="en-US" dirty="0" err="1"/>
+              <a:t>LifeCycle</a:t>
+            </a:r>
+            <a:r>
+              <a:rPr lang="en-US" dirty="0"/>
+              <a:t> Demo</a:t>
+            </a:r>
+          </a:p>
         </p:txBody>
       </p:sp>
       <p:pic>
@@ -3077,14 +3714,14 @@
           <p:nvPr/>
         </p:nvPicPr>
         <p:blipFill>
-          <a:blip r:embed="rId6"/>
+          <a:blip r:embed="rId2"/>
           <a:stretch>
             <a:fillRect/>
           </a:stretch>
         </p:blipFill>
         <p:spPr>
           <a:xfrm>
-            <a:off x="281612" y="2218695"/>
+            <a:off x="162318" y="1617298"/>
             <a:ext cx="6314020" cy="4191000"/>
           </a:xfrm>
           <a:prstGeom prst="rect">
@@ -3112,14 +3749,14 @@
           <p:nvPr/>
         </p:nvPicPr>
         <p:blipFill>
-          <a:blip r:embed="rId7"/>
+          <a:blip r:embed="rId3"/>
           <a:stretch>
             <a:fillRect/>
           </a:stretch>
         </p:blipFill>
         <p:spPr>
           <a:xfrm>
-            <a:off x="6781800" y="2218695"/>
+            <a:off x="6755476" y="1621454"/>
             <a:ext cx="2988206" cy="1494103"/>
           </a:xfrm>
           <a:prstGeom prst="rect">
@@ -3145,7 +3782,7 @@
 </p:sld>
 </file>
 
-<file path=ppt/slides/slide11.xml><?xml version="1.0" encoding="utf-8"?>
+<file path=ppt/slides/slide12.xml><?xml version="1.0" encoding="utf-8"?>
 <p:sld xmlns:a="http://schemas.openxmlformats.org/drawingml/2006/main" xmlns:r="http://schemas.openxmlformats.org/officeDocument/2006/relationships" xmlns:p="http://schemas.openxmlformats.org/presentationml/2006/main">
   <p:cSld>
     <p:spTree>
@@ -3396,7 +4033,7 @@
 </p:sld>
 </file>
 
-<file path=ppt/slides/slide12.xml><?xml version="1.0" encoding="utf-8"?>
+<file path=ppt/slides/slide13.xml><?xml version="1.0" encoding="utf-8"?>
 <p:sld xmlns:a="http://schemas.openxmlformats.org/drawingml/2006/main" xmlns:r="http://schemas.openxmlformats.org/officeDocument/2006/relationships" xmlns:p="http://schemas.openxmlformats.org/presentationml/2006/main">
   <p:cSld>
     <p:spTree>
@@ -3627,7 +4264,7 @@
 </p:sld>
 </file>
 
-<file path=ppt/slides/slide13.xml><?xml version="1.0" encoding="utf-8"?>
+<file path=ppt/slides/slide14.xml><?xml version="1.0" encoding="utf-8"?>
 <p:sld xmlns:a="http://schemas.openxmlformats.org/drawingml/2006/main" xmlns:r="http://schemas.openxmlformats.org/officeDocument/2006/relationships" xmlns:p="http://schemas.openxmlformats.org/presentationml/2006/main">
   <p:cSld>
     <p:spTree>
@@ -3852,7 +4489,7 @@
 </p:sld>
 </file>
 
-<file path=ppt/slides/slide14.xml><?xml version="1.0" encoding="utf-8"?>
+<file path=ppt/slides/slide15.xml><?xml version="1.0" encoding="utf-8"?>
 <p:sld xmlns:a="http://schemas.openxmlformats.org/drawingml/2006/main" xmlns:r="http://schemas.openxmlformats.org/officeDocument/2006/relationships" xmlns:p="http://schemas.openxmlformats.org/presentationml/2006/main">
   <p:cSld>
     <p:spTree>
@@ -4352,89 +4989,6 @@
 </p:sld>
 </file>
 
-<file path=ppt/slides/slide15.xml><?xml version="1.0" encoding="utf-8"?>
-<p:sld xmlns:a="http://schemas.openxmlformats.org/drawingml/2006/main" xmlns:r="http://schemas.openxmlformats.org/officeDocument/2006/relationships" xmlns:p="http://schemas.openxmlformats.org/presentationml/2006/main">
-  <p:cSld>
-    <p:spTree>
-      <p:nvGrpSpPr>
-        <p:cNvPr id="1" name=""/>
-        <p:cNvGrpSpPr/>
-        <p:nvPr/>
-      </p:nvGrpSpPr>
-      <p:grpSpPr>
-        <a:xfrm>
-          <a:off x="0" y="0"/>
-          <a:ext cx="0" cy="0"/>
-          <a:chOff x="0" y="0"/>
-          <a:chExt cx="0" cy="0"/>
-        </a:xfrm>
-      </p:grpSpPr>
-      <p:sp>
-        <p:nvSpPr>
-          <p:cNvPr id="2" name="Title 1">
-            <a:extLst>
-              <a:ext uri="{FF2B5EF4-FFF2-40B4-BE49-F238E27FC236}">
-                <a16:creationId xmlns:a16="http://schemas.microsoft.com/office/drawing/2014/main" id="{EFA18CD0-135B-4DA0-B81B-0468150DB961}"/>
-              </a:ext>
-            </a:extLst>
-          </p:cNvPr>
-          <p:cNvSpPr>
-            <a:spLocks noGrp="1"/>
-          </p:cNvSpPr>
-          <p:nvPr>
-            <p:ph type="ctrTitle"/>
-          </p:nvPr>
-        </p:nvSpPr>
-        <p:spPr/>
-        <p:txBody>
-          <a:bodyPr/>
-          <a:lstStyle/>
-          <a:p>
-            <a:r>
-              <a:rPr lang="en-US" dirty="0"/>
-              <a:t>Assertions</a:t>
-            </a:r>
-          </a:p>
-        </p:txBody>
-      </p:sp>
-      <p:sp>
-        <p:nvSpPr>
-          <p:cNvPr id="3" name="Subtitle 2">
-            <a:extLst>
-              <a:ext uri="{FF2B5EF4-FFF2-40B4-BE49-F238E27FC236}">
-                <a16:creationId xmlns:a16="http://schemas.microsoft.com/office/drawing/2014/main" id="{397FC91D-D737-436C-95F2-6C0A63AC5790}"/>
-              </a:ext>
-            </a:extLst>
-          </p:cNvPr>
-          <p:cNvSpPr>
-            <a:spLocks noGrp="1"/>
-          </p:cNvSpPr>
-          <p:nvPr>
-            <p:ph type="subTitle" idx="1"/>
-          </p:nvPr>
-        </p:nvSpPr>
-        <p:spPr/>
-        <p:txBody>
-          <a:bodyPr/>
-          <a:lstStyle/>
-          <a:p>
-            <a:endParaRPr lang="en-US"/>
-          </a:p>
-        </p:txBody>
-      </p:sp>
-    </p:spTree>
-    <p:extLst>
-      <p:ext uri="{BB962C8B-B14F-4D97-AF65-F5344CB8AC3E}">
-        <p14:creationId xmlns:p14="http://schemas.microsoft.com/office/powerpoint/2010/main" val="3435185295"/>
-      </p:ext>
-    </p:extLst>
-  </p:cSld>
-  <p:clrMapOvr>
-    <a:masterClrMapping/>
-  </p:clrMapOvr>
-</p:sld>
-</file>
-
 <file path=ppt/slides/slide16.xml><?xml version="1.0" encoding="utf-8"?>
 <p:sld xmlns:a="http://schemas.openxmlformats.org/drawingml/2006/main" xmlns:r="http://schemas.openxmlformats.org/officeDocument/2006/relationships" xmlns:p="http://schemas.openxmlformats.org/presentationml/2006/main">
   <p:cSld>
@@ -4457,6 +5011,89 @@
           <p:cNvPr id="2" name="Title 1">
             <a:extLst>
               <a:ext uri="{FF2B5EF4-FFF2-40B4-BE49-F238E27FC236}">
+                <a16:creationId xmlns:a16="http://schemas.microsoft.com/office/drawing/2014/main" id="{EFA18CD0-135B-4DA0-B81B-0468150DB961}"/>
+              </a:ext>
+            </a:extLst>
+          </p:cNvPr>
+          <p:cNvSpPr>
+            <a:spLocks noGrp="1"/>
+          </p:cNvSpPr>
+          <p:nvPr>
+            <p:ph type="ctrTitle"/>
+          </p:nvPr>
+        </p:nvSpPr>
+        <p:spPr/>
+        <p:txBody>
+          <a:bodyPr/>
+          <a:lstStyle/>
+          <a:p>
+            <a:r>
+              <a:rPr lang="en-US" dirty="0"/>
+              <a:t>Assertions</a:t>
+            </a:r>
+          </a:p>
+        </p:txBody>
+      </p:sp>
+      <p:sp>
+        <p:nvSpPr>
+          <p:cNvPr id="3" name="Subtitle 2">
+            <a:extLst>
+              <a:ext uri="{FF2B5EF4-FFF2-40B4-BE49-F238E27FC236}">
+                <a16:creationId xmlns:a16="http://schemas.microsoft.com/office/drawing/2014/main" id="{397FC91D-D737-436C-95F2-6C0A63AC5790}"/>
+              </a:ext>
+            </a:extLst>
+          </p:cNvPr>
+          <p:cNvSpPr>
+            <a:spLocks noGrp="1"/>
+          </p:cNvSpPr>
+          <p:nvPr>
+            <p:ph type="subTitle" idx="1"/>
+          </p:nvPr>
+        </p:nvSpPr>
+        <p:spPr/>
+        <p:txBody>
+          <a:bodyPr/>
+          <a:lstStyle/>
+          <a:p>
+            <a:endParaRPr lang="en-US"/>
+          </a:p>
+        </p:txBody>
+      </p:sp>
+    </p:spTree>
+    <p:extLst>
+      <p:ext uri="{BB962C8B-B14F-4D97-AF65-F5344CB8AC3E}">
+        <p14:creationId xmlns:p14="http://schemas.microsoft.com/office/powerpoint/2010/main" val="3435185295"/>
+      </p:ext>
+    </p:extLst>
+  </p:cSld>
+  <p:clrMapOvr>
+    <a:masterClrMapping/>
+  </p:clrMapOvr>
+</p:sld>
+</file>
+
+<file path=ppt/slides/slide17.xml><?xml version="1.0" encoding="utf-8"?>
+<p:sld xmlns:a="http://schemas.openxmlformats.org/drawingml/2006/main" xmlns:r="http://schemas.openxmlformats.org/officeDocument/2006/relationships" xmlns:p="http://schemas.openxmlformats.org/presentationml/2006/main">
+  <p:cSld>
+    <p:spTree>
+      <p:nvGrpSpPr>
+        <p:cNvPr id="1" name=""/>
+        <p:cNvGrpSpPr/>
+        <p:nvPr/>
+      </p:nvGrpSpPr>
+      <p:grpSpPr>
+        <a:xfrm>
+          <a:off x="0" y="0"/>
+          <a:ext cx="0" cy="0"/>
+          <a:chOff x="0" y="0"/>
+          <a:chExt cx="0" cy="0"/>
+        </a:xfrm>
+      </p:grpSpPr>
+      <p:sp>
+        <p:nvSpPr>
+          <p:cNvPr id="2" name="Title 1">
+            <a:extLst>
+              <a:ext uri="{FF2B5EF4-FFF2-40B4-BE49-F238E27FC236}">
                 <a16:creationId xmlns:a16="http://schemas.microsoft.com/office/drawing/2014/main" id="{A7DA7F9E-3ADB-408D-A83E-BEF53A1EEB63}"/>
               </a:ext>
             </a:extLst>
@@ -4820,7 +5457,7 @@
 </p:sld>
 </file>
 
-<file path=ppt/slides/slide17.xml><?xml version="1.0" encoding="utf-8"?>
+<file path=ppt/slides/slide18.xml><?xml version="1.0" encoding="utf-8"?>
 <p:sld xmlns:a="http://schemas.openxmlformats.org/drawingml/2006/main" xmlns:r="http://schemas.openxmlformats.org/officeDocument/2006/relationships" xmlns:p="http://schemas.openxmlformats.org/presentationml/2006/main">
   <p:cSld>
     <p:spTree>
@@ -4948,89 +5585,6 @@
 </p:sld>
 </file>
 
-<file path=ppt/slides/slide18.xml><?xml version="1.0" encoding="utf-8"?>
-<p:sld xmlns:a="http://schemas.openxmlformats.org/drawingml/2006/main" xmlns:r="http://schemas.openxmlformats.org/officeDocument/2006/relationships" xmlns:p="http://schemas.openxmlformats.org/presentationml/2006/main">
-  <p:cSld>
-    <p:spTree>
-      <p:nvGrpSpPr>
-        <p:cNvPr id="1" name=""/>
-        <p:cNvGrpSpPr/>
-        <p:nvPr/>
-      </p:nvGrpSpPr>
-      <p:grpSpPr>
-        <a:xfrm>
-          <a:off x="0" y="0"/>
-          <a:ext cx="0" cy="0"/>
-          <a:chOff x="0" y="0"/>
-          <a:chExt cx="0" cy="0"/>
-        </a:xfrm>
-      </p:grpSpPr>
-      <p:sp>
-        <p:nvSpPr>
-          <p:cNvPr id="2" name="Title 1">
-            <a:extLst>
-              <a:ext uri="{FF2B5EF4-FFF2-40B4-BE49-F238E27FC236}">
-                <a16:creationId xmlns:a16="http://schemas.microsoft.com/office/drawing/2014/main" id="{14BDBF15-3475-439A-B829-CD6B7E204EAE}"/>
-              </a:ext>
-            </a:extLst>
-          </p:cNvPr>
-          <p:cNvSpPr>
-            <a:spLocks noGrp="1"/>
-          </p:cNvSpPr>
-          <p:nvPr>
-            <p:ph type="ctrTitle"/>
-          </p:nvPr>
-        </p:nvSpPr>
-        <p:spPr/>
-        <p:txBody>
-          <a:bodyPr/>
-          <a:lstStyle/>
-          <a:p>
-            <a:r>
-              <a:rPr lang="en-US" dirty="0"/>
-              <a:t>Test Cases execution</a:t>
-            </a:r>
-          </a:p>
-        </p:txBody>
-      </p:sp>
-      <p:sp>
-        <p:nvSpPr>
-          <p:cNvPr id="3" name="Subtitle 2">
-            <a:extLst>
-              <a:ext uri="{FF2B5EF4-FFF2-40B4-BE49-F238E27FC236}">
-                <a16:creationId xmlns:a16="http://schemas.microsoft.com/office/drawing/2014/main" id="{2965DC1F-DE34-41BA-8B44-FBCAFF6EC4C9}"/>
-              </a:ext>
-            </a:extLst>
-          </p:cNvPr>
-          <p:cNvSpPr>
-            <a:spLocks noGrp="1"/>
-          </p:cNvSpPr>
-          <p:nvPr>
-            <p:ph type="subTitle" idx="1"/>
-          </p:nvPr>
-        </p:nvSpPr>
-        <p:spPr/>
-        <p:txBody>
-          <a:bodyPr/>
-          <a:lstStyle/>
-          <a:p>
-            <a:endParaRPr lang="en-US"/>
-          </a:p>
-        </p:txBody>
-      </p:sp>
-    </p:spTree>
-    <p:extLst>
-      <p:ext uri="{BB962C8B-B14F-4D97-AF65-F5344CB8AC3E}">
-        <p14:creationId xmlns:p14="http://schemas.microsoft.com/office/powerpoint/2010/main" val="1373313565"/>
-      </p:ext>
-    </p:extLst>
-  </p:cSld>
-  <p:clrMapOvr>
-    <a:masterClrMapping/>
-  </p:clrMapOvr>
-</p:sld>
-</file>
-
 <file path=ppt/slides/slide19.xml><?xml version="1.0" encoding="utf-8"?>
 <p:sld xmlns:a="http://schemas.openxmlformats.org/drawingml/2006/main" xmlns:r="http://schemas.openxmlformats.org/officeDocument/2006/relationships" xmlns:p="http://schemas.openxmlformats.org/presentationml/2006/main">
   <p:cSld>
@@ -5053,7 +5607,7 @@
           <p:cNvPr id="2" name="Title 1">
             <a:extLst>
               <a:ext uri="{FF2B5EF4-FFF2-40B4-BE49-F238E27FC236}">
-                <a16:creationId xmlns:a16="http://schemas.microsoft.com/office/drawing/2014/main" id="{6A8987DC-B85C-4F13-8D78-7AA037B70C73}"/>
+                <a16:creationId xmlns:a16="http://schemas.microsoft.com/office/drawing/2014/main" id="{14BDBF15-3475-439A-B829-CD6B7E204EAE}"/>
               </a:ext>
             </a:extLst>
           </p:cNvPr>
@@ -5061,7 +5615,7 @@
             <a:spLocks noGrp="1"/>
           </p:cNvSpPr>
           <p:nvPr>
-            <p:ph type="title"/>
+            <p:ph type="ctrTitle"/>
           </p:nvPr>
         </p:nvSpPr>
         <p:spPr/>
@@ -5071,193 +5625,40 @@
           <a:p>
             <a:r>
               <a:rPr lang="en-US" dirty="0"/>
-              <a:t>How to execute the JUnit test cases</a:t>
-            </a:r>
-          </a:p>
-        </p:txBody>
-      </p:sp>
-      <p:pic>
-        <p:nvPicPr>
-          <p:cNvPr id="9" name="Picture 8">
+              <a:t>Test Cases execution</a:t>
+            </a:r>
+          </a:p>
+        </p:txBody>
+      </p:sp>
+      <p:sp>
+        <p:nvSpPr>
+          <p:cNvPr id="3" name="Subtitle 2">
             <a:extLst>
               <a:ext uri="{FF2B5EF4-FFF2-40B4-BE49-F238E27FC236}">
-                <a16:creationId xmlns:a16="http://schemas.microsoft.com/office/drawing/2014/main" id="{4723E20D-CD84-4E00-BB4C-850AD4CDBF6B}"/>
+                <a16:creationId xmlns:a16="http://schemas.microsoft.com/office/drawing/2014/main" id="{2965DC1F-DE34-41BA-8B44-FBCAFF6EC4C9}"/>
               </a:ext>
             </a:extLst>
           </p:cNvPr>
-          <p:cNvPicPr>
-            <a:picLocks noChangeAspect="1"/>
-          </p:cNvPicPr>
-          <p:nvPr/>
-        </p:nvPicPr>
-        <p:blipFill>
-          <a:blip r:embed="rId2"/>
-          <a:stretch>
-            <a:fillRect/>
-          </a:stretch>
-        </p:blipFill>
-        <p:spPr>
-          <a:xfrm>
-            <a:off x="91795" y="1267691"/>
-            <a:ext cx="3483239" cy="3733800"/>
-          </a:xfrm>
-          <a:prstGeom prst="rect">
-            <a:avLst/>
-          </a:prstGeom>
-          <a:ln>
-            <a:solidFill>
-              <a:schemeClr val="tx1"/>
-            </a:solidFill>
-          </a:ln>
-        </p:spPr>
-      </p:pic>
-      <p:pic>
-        <p:nvPicPr>
-          <p:cNvPr id="10" name="Picture 9">
-            <a:extLst>
-              <a:ext uri="{FF2B5EF4-FFF2-40B4-BE49-F238E27FC236}">
-                <a16:creationId xmlns:a16="http://schemas.microsoft.com/office/drawing/2014/main" id="{E4DC668E-CA82-4F7F-86A5-77BF2343820E}"/>
-              </a:ext>
-            </a:extLst>
-          </p:cNvPr>
-          <p:cNvPicPr>
-            <a:picLocks noChangeAspect="1"/>
-          </p:cNvPicPr>
-          <p:nvPr/>
-        </p:nvPicPr>
-        <p:blipFill>
-          <a:blip r:embed="rId3"/>
-          <a:stretch>
-            <a:fillRect/>
-          </a:stretch>
-        </p:blipFill>
-        <p:spPr>
-          <a:xfrm>
-            <a:off x="3657599" y="1267691"/>
-            <a:ext cx="6151063" cy="1632739"/>
-          </a:xfrm>
-          <a:prstGeom prst="rect">
-            <a:avLst/>
-          </a:prstGeom>
-          <a:ln>
-            <a:solidFill>
-              <a:schemeClr val="tx1"/>
-            </a:solidFill>
-          </a:ln>
-        </p:spPr>
-      </p:pic>
-      <p:pic>
-        <p:nvPicPr>
-          <p:cNvPr id="11" name="Picture 10">
-            <a:extLst>
-              <a:ext uri="{FF2B5EF4-FFF2-40B4-BE49-F238E27FC236}">
-                <a16:creationId xmlns:a16="http://schemas.microsoft.com/office/drawing/2014/main" id="{03B7F821-2045-4A54-8355-76673374D41E}"/>
-              </a:ext>
-            </a:extLst>
-          </p:cNvPr>
-          <p:cNvPicPr>
-            <a:picLocks noChangeAspect="1"/>
-          </p:cNvPicPr>
-          <p:nvPr/>
-        </p:nvPicPr>
-        <p:blipFill>
-          <a:blip r:embed="rId4"/>
-          <a:stretch>
-            <a:fillRect/>
-          </a:stretch>
-        </p:blipFill>
-        <p:spPr>
-          <a:xfrm>
-            <a:off x="3657600" y="3657600"/>
-            <a:ext cx="6151063" cy="2310674"/>
-          </a:xfrm>
-          <a:prstGeom prst="rect">
-            <a:avLst/>
-          </a:prstGeom>
-          <a:ln>
-            <a:solidFill>
-              <a:schemeClr val="tx1"/>
-            </a:solidFill>
-          </a:ln>
-        </p:spPr>
-      </p:pic>
-      <p:sp>
-        <p:nvSpPr>
-          <p:cNvPr id="6" name="TextBox 5">
-            <a:extLst>
-              <a:ext uri="{FF2B5EF4-FFF2-40B4-BE49-F238E27FC236}">
-                <a16:creationId xmlns:a16="http://schemas.microsoft.com/office/drawing/2014/main" id="{363668D4-08B3-41E6-B5A4-D1764E4EB86F}"/>
-              </a:ext>
-            </a:extLst>
-          </p:cNvPr>
-          <p:cNvSpPr txBox="1"/>
-          <p:nvPr/>
-        </p:nvSpPr>
-        <p:spPr>
-          <a:xfrm>
-            <a:off x="5471160" y="2949925"/>
-            <a:ext cx="2514600" cy="369332"/>
-          </a:xfrm>
-          <a:prstGeom prst="rect">
-            <a:avLst/>
-          </a:prstGeom>
-          <a:noFill/>
-        </p:spPr>
-        <p:txBody>
-          <a:bodyPr wrap="square" rtlCol="0">
-            <a:spAutoFit/>
-          </a:bodyPr>
+          <p:cNvSpPr>
+            <a:spLocks noGrp="1"/>
+          </p:cNvSpPr>
+          <p:nvPr>
+            <p:ph type="subTitle" idx="1"/>
+          </p:nvPr>
+        </p:nvSpPr>
+        <p:spPr/>
+        <p:txBody>
+          <a:bodyPr/>
           <a:lstStyle/>
           <a:p>
-            <a:r>
-              <a:rPr lang="en-US" dirty="0">
-                <a:latin typeface="Body Level 1"/>
-              </a:rPr>
-              <a:t>Successful test case</a:t>
-            </a:r>
-          </a:p>
-        </p:txBody>
-      </p:sp>
-      <p:sp>
-        <p:nvSpPr>
-          <p:cNvPr id="8" name="Rectangle 7">
-            <a:extLst>
-              <a:ext uri="{FF2B5EF4-FFF2-40B4-BE49-F238E27FC236}">
-                <a16:creationId xmlns:a16="http://schemas.microsoft.com/office/drawing/2014/main" id="{F36A93EE-A69B-4986-AC94-3920A50BB744}"/>
-              </a:ext>
-            </a:extLst>
-          </p:cNvPr>
-          <p:cNvSpPr/>
-          <p:nvPr/>
-        </p:nvSpPr>
-        <p:spPr>
-          <a:xfrm>
-            <a:off x="5486400" y="5983113"/>
-            <a:ext cx="1609351" cy="369332"/>
-          </a:xfrm>
-          <a:prstGeom prst="rect">
-            <a:avLst/>
-          </a:prstGeom>
-        </p:spPr>
-        <p:txBody>
-          <a:bodyPr wrap="none">
-            <a:spAutoFit/>
-          </a:bodyPr>
-          <a:lstStyle/>
-          <a:p>
-            <a:r>
-              <a:rPr lang="en-US" dirty="0">
-                <a:latin typeface="Body Level 1"/>
-              </a:rPr>
-              <a:t>Failed test case</a:t>
-            </a:r>
+            <a:endParaRPr lang="en-US"/>
           </a:p>
         </p:txBody>
       </p:sp>
     </p:spTree>
     <p:extLst>
       <p:ext uri="{BB962C8B-B14F-4D97-AF65-F5344CB8AC3E}">
-        <p14:creationId xmlns:p14="http://schemas.microsoft.com/office/powerpoint/2010/main" val="1112445375"/>
+        <p14:creationId xmlns:p14="http://schemas.microsoft.com/office/powerpoint/2010/main" val="1373313565"/>
       </p:ext>
     </p:extLst>
   </p:cSld>
@@ -6173,6 +6574,242 @@
           <p:cNvPr id="2" name="Title 1">
             <a:extLst>
               <a:ext uri="{FF2B5EF4-FFF2-40B4-BE49-F238E27FC236}">
+                <a16:creationId xmlns:a16="http://schemas.microsoft.com/office/drawing/2014/main" id="{6A8987DC-B85C-4F13-8D78-7AA037B70C73}"/>
+              </a:ext>
+            </a:extLst>
+          </p:cNvPr>
+          <p:cNvSpPr>
+            <a:spLocks noGrp="1"/>
+          </p:cNvSpPr>
+          <p:nvPr>
+            <p:ph type="title"/>
+          </p:nvPr>
+        </p:nvSpPr>
+        <p:spPr/>
+        <p:txBody>
+          <a:bodyPr/>
+          <a:lstStyle/>
+          <a:p>
+            <a:r>
+              <a:rPr lang="en-US" dirty="0"/>
+              <a:t>How to execute the JUnit test cases</a:t>
+            </a:r>
+          </a:p>
+        </p:txBody>
+      </p:sp>
+      <p:pic>
+        <p:nvPicPr>
+          <p:cNvPr id="9" name="Picture 8">
+            <a:extLst>
+              <a:ext uri="{FF2B5EF4-FFF2-40B4-BE49-F238E27FC236}">
+                <a16:creationId xmlns:a16="http://schemas.microsoft.com/office/drawing/2014/main" id="{4723E20D-CD84-4E00-BB4C-850AD4CDBF6B}"/>
+              </a:ext>
+            </a:extLst>
+          </p:cNvPr>
+          <p:cNvPicPr>
+            <a:picLocks noChangeAspect="1"/>
+          </p:cNvPicPr>
+          <p:nvPr/>
+        </p:nvPicPr>
+        <p:blipFill>
+          <a:blip r:embed="rId2"/>
+          <a:stretch>
+            <a:fillRect/>
+          </a:stretch>
+        </p:blipFill>
+        <p:spPr>
+          <a:xfrm>
+            <a:off x="91795" y="1267691"/>
+            <a:ext cx="3483239" cy="3733800"/>
+          </a:xfrm>
+          <a:prstGeom prst="rect">
+            <a:avLst/>
+          </a:prstGeom>
+          <a:ln>
+            <a:solidFill>
+              <a:schemeClr val="tx1"/>
+            </a:solidFill>
+          </a:ln>
+        </p:spPr>
+      </p:pic>
+      <p:pic>
+        <p:nvPicPr>
+          <p:cNvPr id="10" name="Picture 9">
+            <a:extLst>
+              <a:ext uri="{FF2B5EF4-FFF2-40B4-BE49-F238E27FC236}">
+                <a16:creationId xmlns:a16="http://schemas.microsoft.com/office/drawing/2014/main" id="{E4DC668E-CA82-4F7F-86A5-77BF2343820E}"/>
+              </a:ext>
+            </a:extLst>
+          </p:cNvPr>
+          <p:cNvPicPr>
+            <a:picLocks noChangeAspect="1"/>
+          </p:cNvPicPr>
+          <p:nvPr/>
+        </p:nvPicPr>
+        <p:blipFill>
+          <a:blip r:embed="rId3"/>
+          <a:stretch>
+            <a:fillRect/>
+          </a:stretch>
+        </p:blipFill>
+        <p:spPr>
+          <a:xfrm>
+            <a:off x="3657599" y="1267691"/>
+            <a:ext cx="6151063" cy="1632739"/>
+          </a:xfrm>
+          <a:prstGeom prst="rect">
+            <a:avLst/>
+          </a:prstGeom>
+          <a:ln>
+            <a:solidFill>
+              <a:schemeClr val="tx1"/>
+            </a:solidFill>
+          </a:ln>
+        </p:spPr>
+      </p:pic>
+      <p:pic>
+        <p:nvPicPr>
+          <p:cNvPr id="11" name="Picture 10">
+            <a:extLst>
+              <a:ext uri="{FF2B5EF4-FFF2-40B4-BE49-F238E27FC236}">
+                <a16:creationId xmlns:a16="http://schemas.microsoft.com/office/drawing/2014/main" id="{03B7F821-2045-4A54-8355-76673374D41E}"/>
+              </a:ext>
+            </a:extLst>
+          </p:cNvPr>
+          <p:cNvPicPr>
+            <a:picLocks noChangeAspect="1"/>
+          </p:cNvPicPr>
+          <p:nvPr/>
+        </p:nvPicPr>
+        <p:blipFill>
+          <a:blip r:embed="rId4"/>
+          <a:stretch>
+            <a:fillRect/>
+          </a:stretch>
+        </p:blipFill>
+        <p:spPr>
+          <a:xfrm>
+            <a:off x="3657600" y="3657600"/>
+            <a:ext cx="6151063" cy="2310674"/>
+          </a:xfrm>
+          <a:prstGeom prst="rect">
+            <a:avLst/>
+          </a:prstGeom>
+          <a:ln>
+            <a:solidFill>
+              <a:schemeClr val="tx1"/>
+            </a:solidFill>
+          </a:ln>
+        </p:spPr>
+      </p:pic>
+      <p:sp>
+        <p:nvSpPr>
+          <p:cNvPr id="6" name="TextBox 5">
+            <a:extLst>
+              <a:ext uri="{FF2B5EF4-FFF2-40B4-BE49-F238E27FC236}">
+                <a16:creationId xmlns:a16="http://schemas.microsoft.com/office/drawing/2014/main" id="{363668D4-08B3-41E6-B5A4-D1764E4EB86F}"/>
+              </a:ext>
+            </a:extLst>
+          </p:cNvPr>
+          <p:cNvSpPr txBox="1"/>
+          <p:nvPr/>
+        </p:nvSpPr>
+        <p:spPr>
+          <a:xfrm>
+            <a:off x="5471160" y="2949925"/>
+            <a:ext cx="2514600" cy="369332"/>
+          </a:xfrm>
+          <a:prstGeom prst="rect">
+            <a:avLst/>
+          </a:prstGeom>
+          <a:noFill/>
+        </p:spPr>
+        <p:txBody>
+          <a:bodyPr wrap="square" rtlCol="0">
+            <a:spAutoFit/>
+          </a:bodyPr>
+          <a:lstStyle/>
+          <a:p>
+            <a:r>
+              <a:rPr lang="en-US" dirty="0">
+                <a:latin typeface="Body Level 1"/>
+              </a:rPr>
+              <a:t>Successful test case</a:t>
+            </a:r>
+          </a:p>
+        </p:txBody>
+      </p:sp>
+      <p:sp>
+        <p:nvSpPr>
+          <p:cNvPr id="8" name="Rectangle 7">
+            <a:extLst>
+              <a:ext uri="{FF2B5EF4-FFF2-40B4-BE49-F238E27FC236}">
+                <a16:creationId xmlns:a16="http://schemas.microsoft.com/office/drawing/2014/main" id="{F36A93EE-A69B-4986-AC94-3920A50BB744}"/>
+              </a:ext>
+            </a:extLst>
+          </p:cNvPr>
+          <p:cNvSpPr/>
+          <p:nvPr/>
+        </p:nvSpPr>
+        <p:spPr>
+          <a:xfrm>
+            <a:off x="5486400" y="5983113"/>
+            <a:ext cx="1609351" cy="369332"/>
+          </a:xfrm>
+          <a:prstGeom prst="rect">
+            <a:avLst/>
+          </a:prstGeom>
+        </p:spPr>
+        <p:txBody>
+          <a:bodyPr wrap="none">
+            <a:spAutoFit/>
+          </a:bodyPr>
+          <a:lstStyle/>
+          <a:p>
+            <a:r>
+              <a:rPr lang="en-US" dirty="0">
+                <a:latin typeface="Body Level 1"/>
+              </a:rPr>
+              <a:t>Failed test case</a:t>
+            </a:r>
+          </a:p>
+        </p:txBody>
+      </p:sp>
+    </p:spTree>
+    <p:extLst>
+      <p:ext uri="{BB962C8B-B14F-4D97-AF65-F5344CB8AC3E}">
+        <p14:creationId xmlns:p14="http://schemas.microsoft.com/office/powerpoint/2010/main" val="1112445375"/>
+      </p:ext>
+    </p:extLst>
+  </p:cSld>
+  <p:clrMapOvr>
+    <a:masterClrMapping/>
+  </p:clrMapOvr>
+</p:sld>
+</file>
+
+<file path=ppt/slides/slide21.xml><?xml version="1.0" encoding="utf-8"?>
+<p:sld xmlns:a="http://schemas.openxmlformats.org/drawingml/2006/main" xmlns:r="http://schemas.openxmlformats.org/officeDocument/2006/relationships" xmlns:p="http://schemas.openxmlformats.org/presentationml/2006/main">
+  <p:cSld>
+    <p:spTree>
+      <p:nvGrpSpPr>
+        <p:cNvPr id="1" name=""/>
+        <p:cNvGrpSpPr/>
+        <p:nvPr/>
+      </p:nvGrpSpPr>
+      <p:grpSpPr>
+        <a:xfrm>
+          <a:off x="0" y="0"/>
+          <a:ext cx="0" cy="0"/>
+          <a:chOff x="0" y="0"/>
+          <a:chExt cx="0" cy="0"/>
+        </a:xfrm>
+      </p:grpSpPr>
+      <p:sp>
+        <p:nvSpPr>
+          <p:cNvPr id="2" name="Title 1">
+            <a:extLst>
+              <a:ext uri="{FF2B5EF4-FFF2-40B4-BE49-F238E27FC236}">
                 <a16:creationId xmlns:a16="http://schemas.microsoft.com/office/drawing/2014/main" id="{14BDBF15-3475-439A-B829-CD6B7E204EAE}"/>
               </a:ext>
             </a:extLst>
@@ -6234,7 +6871,7 @@
 </p:sld>
 </file>
 
-<file path=ppt/slides/slide21.xml><?xml version="1.0" encoding="utf-8"?>
+<file path=ppt/slides/slide22.xml><?xml version="1.0" encoding="utf-8"?>
 <p:sld xmlns:a="http://schemas.openxmlformats.org/drawingml/2006/main" xmlns:r="http://schemas.openxmlformats.org/officeDocument/2006/relationships" xmlns:p="http://schemas.openxmlformats.org/presentationml/2006/main">
   <p:cSld>
     <p:spTree>
@@ -6524,7 +7161,7 @@
 </p:sld>
 </file>
 
-<file path=ppt/slides/slide22.xml><?xml version="1.0" encoding="utf-8"?>
+<file path=ppt/slides/slide23.xml><?xml version="1.0" encoding="utf-8"?>
 <p:sld xmlns:a="http://schemas.openxmlformats.org/drawingml/2006/main" xmlns:r="http://schemas.openxmlformats.org/officeDocument/2006/relationships" xmlns:p="http://schemas.openxmlformats.org/presentationml/2006/main">
   <p:cSld>
     <p:spTree>

--- a/junit.pptx
+++ b/junit.pptx
@@ -2915,7 +2915,7 @@
               <a:t>Test </a:t>
             </a:r>
             <a:r>
-              <a:rPr lang="en-US"/>
+              <a:rPr lang="en-US" dirty="0" err="1"/>
               <a:t>LifeCycle</a:t>
             </a:r>
             <a:endParaRPr lang="en-US" dirty="0"/>
